--- a/Block 01/slides/GEO8026_202122_Practical1.pptx
+++ b/Block 01/slides/GEO8026_202122_Practical1.pptx
@@ -2251,6 +2251,45 @@
     </pc:docChg>
   </pc:docChgLst>
   <pc:docChgLst>
+    <pc:chgData name="Matthew Perks" userId="e7ba33f6-2c59-4a03-a42a-2f5a85dfb500" providerId="ADAL" clId="{5B89D6F2-9088-4D8D-B83E-736F73B2737D}"/>
+    <pc:docChg chg="modSld">
+      <pc:chgData name="Matthew Perks" userId="e7ba33f6-2c59-4a03-a42a-2f5a85dfb500" providerId="ADAL" clId="{5B89D6F2-9088-4D8D-B83E-736F73B2737D}" dt="2020-10-22T10:26:29.791" v="73" actId="20577"/>
+      <pc:docMkLst>
+        <pc:docMk/>
+      </pc:docMkLst>
+      <pc:sldChg chg="modSp mod">
+        <pc:chgData name="Matthew Perks" userId="e7ba33f6-2c59-4a03-a42a-2f5a85dfb500" providerId="ADAL" clId="{5B89D6F2-9088-4D8D-B83E-736F73B2737D}" dt="2020-10-22T10:26:29.791" v="73" actId="20577"/>
+        <pc:sldMkLst>
+          <pc:docMk/>
+          <pc:sldMk cId="2749322127" sldId="386"/>
+        </pc:sldMkLst>
+        <pc:spChg chg="mod">
+          <ac:chgData name="Matthew Perks" userId="e7ba33f6-2c59-4a03-a42a-2f5a85dfb500" providerId="ADAL" clId="{5B89D6F2-9088-4D8D-B83E-736F73B2737D}" dt="2020-10-22T10:26:29.791" v="73" actId="20577"/>
+          <ac:spMkLst>
+            <pc:docMk/>
+            <pc:sldMk cId="2749322127" sldId="386"/>
+            <ac:spMk id="2" creationId="{00000000-0000-0000-0000-000000000000}"/>
+          </ac:spMkLst>
+        </pc:spChg>
+      </pc:sldChg>
+      <pc:sldChg chg="addSp modSp mod">
+        <pc:chgData name="Matthew Perks" userId="e7ba33f6-2c59-4a03-a42a-2f5a85dfb500" providerId="ADAL" clId="{5B89D6F2-9088-4D8D-B83E-736F73B2737D}" dt="2020-10-14T10:15:19.218" v="36" actId="1076"/>
+        <pc:sldMkLst>
+          <pc:docMk/>
+          <pc:sldMk cId="4202296687" sldId="391"/>
+        </pc:sldMkLst>
+        <pc:spChg chg="add mod">
+          <ac:chgData name="Matthew Perks" userId="e7ba33f6-2c59-4a03-a42a-2f5a85dfb500" providerId="ADAL" clId="{5B89D6F2-9088-4D8D-B83E-736F73B2737D}" dt="2020-10-14T10:15:19.218" v="36" actId="1076"/>
+          <ac:spMkLst>
+            <pc:docMk/>
+            <pc:sldMk cId="4202296687" sldId="391"/>
+            <ac:spMk id="2" creationId="{C9BA0237-EAF5-46D8-85D4-3D9BACC39664}"/>
+          </ac:spMkLst>
+        </pc:spChg>
+      </pc:sldChg>
+    </pc:docChg>
+  </pc:docChgLst>
+  <pc:docChgLst>
     <pc:chgData name="Matthew Perks" userId="e7ba33f6-2c59-4a03-a42a-2f5a85dfb500" providerId="ADAL" clId="{10E3554F-5780-4E62-8A9A-A52237E4CB2A}"/>
     <pc:docChg chg="undo custSel mod addSld delSld modSld">
       <pc:chgData name="Matthew Perks" userId="e7ba33f6-2c59-4a03-a42a-2f5a85dfb500" providerId="ADAL" clId="{10E3554F-5780-4E62-8A9A-A52237E4CB2A}" dt="2020-10-12T15:15:48.124" v="122" actId="22"/>
@@ -2466,45 +2505,6 @@
             <ac:picMk id="3" creationId="{6C40C279-39EE-47C2-8732-69AD5825AC31}"/>
           </ac:picMkLst>
         </pc:picChg>
-      </pc:sldChg>
-    </pc:docChg>
-  </pc:docChgLst>
-  <pc:docChgLst>
-    <pc:chgData name="Matthew Perks" userId="e7ba33f6-2c59-4a03-a42a-2f5a85dfb500" providerId="ADAL" clId="{5B89D6F2-9088-4D8D-B83E-736F73B2737D}"/>
-    <pc:docChg chg="modSld">
-      <pc:chgData name="Matthew Perks" userId="e7ba33f6-2c59-4a03-a42a-2f5a85dfb500" providerId="ADAL" clId="{5B89D6F2-9088-4D8D-B83E-736F73B2737D}" dt="2020-10-22T10:26:29.791" v="73" actId="20577"/>
-      <pc:docMkLst>
-        <pc:docMk/>
-      </pc:docMkLst>
-      <pc:sldChg chg="modSp mod">
-        <pc:chgData name="Matthew Perks" userId="e7ba33f6-2c59-4a03-a42a-2f5a85dfb500" providerId="ADAL" clId="{5B89D6F2-9088-4D8D-B83E-736F73B2737D}" dt="2020-10-22T10:26:29.791" v="73" actId="20577"/>
-        <pc:sldMkLst>
-          <pc:docMk/>
-          <pc:sldMk cId="2749322127" sldId="386"/>
-        </pc:sldMkLst>
-        <pc:spChg chg="mod">
-          <ac:chgData name="Matthew Perks" userId="e7ba33f6-2c59-4a03-a42a-2f5a85dfb500" providerId="ADAL" clId="{5B89D6F2-9088-4D8D-B83E-736F73B2737D}" dt="2020-10-22T10:26:29.791" v="73" actId="20577"/>
-          <ac:spMkLst>
-            <pc:docMk/>
-            <pc:sldMk cId="2749322127" sldId="386"/>
-            <ac:spMk id="2" creationId="{00000000-0000-0000-0000-000000000000}"/>
-          </ac:spMkLst>
-        </pc:spChg>
-      </pc:sldChg>
-      <pc:sldChg chg="addSp modSp mod">
-        <pc:chgData name="Matthew Perks" userId="e7ba33f6-2c59-4a03-a42a-2f5a85dfb500" providerId="ADAL" clId="{5B89D6F2-9088-4D8D-B83E-736F73B2737D}" dt="2020-10-14T10:15:19.218" v="36" actId="1076"/>
-        <pc:sldMkLst>
-          <pc:docMk/>
-          <pc:sldMk cId="4202296687" sldId="391"/>
-        </pc:sldMkLst>
-        <pc:spChg chg="add mod">
-          <ac:chgData name="Matthew Perks" userId="e7ba33f6-2c59-4a03-a42a-2f5a85dfb500" providerId="ADAL" clId="{5B89D6F2-9088-4D8D-B83E-736F73B2737D}" dt="2020-10-14T10:15:19.218" v="36" actId="1076"/>
-          <ac:spMkLst>
-            <pc:docMk/>
-            <pc:sldMk cId="4202296687" sldId="391"/>
-            <ac:spMk id="2" creationId="{C9BA0237-EAF5-46D8-85D4-3D9BACC39664}"/>
-          </ac:spMkLst>
-        </pc:spChg>
       </pc:sldChg>
     </pc:docChg>
   </pc:docChgLst>
@@ -9320,7 +9320,7 @@
                 </a:uFill>
                 <a:latin typeface="Consolas" panose="020B0609020204030204" pitchFamily="49" charset="0"/>
               </a:rPr>
-              <a:t>managing_code_data_01.docx</a:t>
+              <a:t>managing_code_data_01.pdf</a:t>
             </a:r>
             <a:r>
               <a:rPr lang="en-US" spc="-1" dirty="0">

--- a/Block 01/slides/GEO8026_202122_Practical1.pptx
+++ b/Block 01/slides/GEO8026_202122_Practical1.pptx
@@ -2251,6 +2251,225 @@
     </pc:docChg>
   </pc:docChgLst>
   <pc:docChgLst>
+    <pc:chgData name="Matthew Perks" userId="e7ba33f6-2c59-4a03-a42a-2f5a85dfb500" providerId="ADAL" clId="{10E3554F-5780-4E62-8A9A-A52237E4CB2A}"/>
+    <pc:docChg chg="undo custSel mod addSld delSld modSld">
+      <pc:chgData name="Matthew Perks" userId="e7ba33f6-2c59-4a03-a42a-2f5a85dfb500" providerId="ADAL" clId="{10E3554F-5780-4E62-8A9A-A52237E4CB2A}" dt="2020-10-12T15:15:48.124" v="122" actId="22"/>
+      <pc:docMkLst>
+        <pc:docMk/>
+      </pc:docMkLst>
+      <pc:sldChg chg="addSp modSp mod setBg">
+        <pc:chgData name="Matthew Perks" userId="e7ba33f6-2c59-4a03-a42a-2f5a85dfb500" providerId="ADAL" clId="{10E3554F-5780-4E62-8A9A-A52237E4CB2A}" dt="2020-10-12T15:03:46.924" v="87" actId="404"/>
+        <pc:sldMkLst>
+          <pc:docMk/>
+          <pc:sldMk cId="668973983" sldId="377"/>
+        </pc:sldMkLst>
+        <pc:spChg chg="mod">
+          <ac:chgData name="Matthew Perks" userId="e7ba33f6-2c59-4a03-a42a-2f5a85dfb500" providerId="ADAL" clId="{10E3554F-5780-4E62-8A9A-A52237E4CB2A}" dt="2020-10-12T15:03:28.900" v="84" actId="26606"/>
+          <ac:spMkLst>
+            <pc:docMk/>
+            <pc:sldMk cId="668973983" sldId="377"/>
+            <ac:spMk id="5" creationId="{00000000-0000-0000-0000-000000000000}"/>
+          </ac:spMkLst>
+        </pc:spChg>
+        <pc:spChg chg="mod">
+          <ac:chgData name="Matthew Perks" userId="e7ba33f6-2c59-4a03-a42a-2f5a85dfb500" providerId="ADAL" clId="{10E3554F-5780-4E62-8A9A-A52237E4CB2A}" dt="2020-10-12T15:03:46.924" v="87" actId="404"/>
+          <ac:spMkLst>
+            <pc:docMk/>
+            <pc:sldMk cId="668973983" sldId="377"/>
+            <ac:spMk id="6" creationId="{00000000-0000-0000-0000-000000000000}"/>
+          </ac:spMkLst>
+        </pc:spChg>
+        <pc:spChg chg="mod">
+          <ac:chgData name="Matthew Perks" userId="e7ba33f6-2c59-4a03-a42a-2f5a85dfb500" providerId="ADAL" clId="{10E3554F-5780-4E62-8A9A-A52237E4CB2A}" dt="2020-10-12T15:03:28.900" v="84" actId="26606"/>
+          <ac:spMkLst>
+            <pc:docMk/>
+            <pc:sldMk cId="668973983" sldId="377"/>
+            <ac:spMk id="9" creationId="{00000000-0000-0000-0000-000000000000}"/>
+          </ac:spMkLst>
+        </pc:spChg>
+        <pc:spChg chg="add">
+          <ac:chgData name="Matthew Perks" userId="e7ba33f6-2c59-4a03-a42a-2f5a85dfb500" providerId="ADAL" clId="{10E3554F-5780-4E62-8A9A-A52237E4CB2A}" dt="2020-10-12T15:03:28.900" v="84" actId="26606"/>
+          <ac:spMkLst>
+            <pc:docMk/>
+            <pc:sldMk cId="668973983" sldId="377"/>
+            <ac:spMk id="14" creationId="{02D44074-0B69-4F0C-A7B3-5645CE40D8E3}"/>
+          </ac:spMkLst>
+        </pc:spChg>
+      </pc:sldChg>
+      <pc:sldChg chg="addSp modSp mod modAnim">
+        <pc:chgData name="Matthew Perks" userId="e7ba33f6-2c59-4a03-a42a-2f5a85dfb500" providerId="ADAL" clId="{10E3554F-5780-4E62-8A9A-A52237E4CB2A}" dt="2020-10-12T15:00:27.428" v="53" actId="1076"/>
+        <pc:sldMkLst>
+          <pc:docMk/>
+          <pc:sldMk cId="3906442171" sldId="378"/>
+        </pc:sldMkLst>
+        <pc:spChg chg="mod">
+          <ac:chgData name="Matthew Perks" userId="e7ba33f6-2c59-4a03-a42a-2f5a85dfb500" providerId="ADAL" clId="{10E3554F-5780-4E62-8A9A-A52237E4CB2A}" dt="2020-10-12T15:00:27.428" v="53" actId="1076"/>
+          <ac:spMkLst>
+            <pc:docMk/>
+            <pc:sldMk cId="3906442171" sldId="378"/>
+            <ac:spMk id="7" creationId="{00000000-0000-0000-0000-000000000000}"/>
+          </ac:spMkLst>
+        </pc:spChg>
+        <pc:spChg chg="add mod">
+          <ac:chgData name="Matthew Perks" userId="e7ba33f6-2c59-4a03-a42a-2f5a85dfb500" providerId="ADAL" clId="{10E3554F-5780-4E62-8A9A-A52237E4CB2A}" dt="2020-10-12T14:59:40.956" v="46" actId="1076"/>
+          <ac:spMkLst>
+            <pc:docMk/>
+            <pc:sldMk cId="3906442171" sldId="378"/>
+            <ac:spMk id="8" creationId="{2F15C8F8-BD03-4DD7-82E9-F1396181D686}"/>
+          </ac:spMkLst>
+        </pc:spChg>
+        <pc:spChg chg="mod">
+          <ac:chgData name="Matthew Perks" userId="e7ba33f6-2c59-4a03-a42a-2f5a85dfb500" providerId="ADAL" clId="{10E3554F-5780-4E62-8A9A-A52237E4CB2A}" dt="2020-10-12T15:00:21.260" v="52" actId="1076"/>
+          <ac:spMkLst>
+            <pc:docMk/>
+            <pc:sldMk cId="3906442171" sldId="378"/>
+            <ac:spMk id="11" creationId="{00000000-0000-0000-0000-000000000000}"/>
+          </ac:spMkLst>
+        </pc:spChg>
+      </pc:sldChg>
+      <pc:sldChg chg="del">
+        <pc:chgData name="Matthew Perks" userId="e7ba33f6-2c59-4a03-a42a-2f5a85dfb500" providerId="ADAL" clId="{10E3554F-5780-4E62-8A9A-A52237E4CB2A}" dt="2020-10-12T15:13:40.402" v="96" actId="47"/>
+        <pc:sldMkLst>
+          <pc:docMk/>
+          <pc:sldMk cId="1505400970" sldId="379"/>
+        </pc:sldMkLst>
+      </pc:sldChg>
+      <pc:sldChg chg="modSp mod">
+        <pc:chgData name="Matthew Perks" userId="e7ba33f6-2c59-4a03-a42a-2f5a85dfb500" providerId="ADAL" clId="{10E3554F-5780-4E62-8A9A-A52237E4CB2A}" dt="2020-10-12T13:18:57.389" v="40" actId="20577"/>
+        <pc:sldMkLst>
+          <pc:docMk/>
+          <pc:sldMk cId="2749322127" sldId="386"/>
+        </pc:sldMkLst>
+        <pc:spChg chg="mod">
+          <ac:chgData name="Matthew Perks" userId="e7ba33f6-2c59-4a03-a42a-2f5a85dfb500" providerId="ADAL" clId="{10E3554F-5780-4E62-8A9A-A52237E4CB2A}" dt="2020-10-12T13:18:57.389" v="40" actId="20577"/>
+          <ac:spMkLst>
+            <pc:docMk/>
+            <pc:sldMk cId="2749322127" sldId="386"/>
+            <ac:spMk id="2" creationId="{00000000-0000-0000-0000-000000000000}"/>
+          </ac:spMkLst>
+        </pc:spChg>
+      </pc:sldChg>
+      <pc:sldChg chg="addSp delSp modSp add mod setBg delAnim">
+        <pc:chgData name="Matthew Perks" userId="e7ba33f6-2c59-4a03-a42a-2f5a85dfb500" providerId="ADAL" clId="{10E3554F-5780-4E62-8A9A-A52237E4CB2A}" dt="2020-10-12T15:15:45.528" v="121" actId="1076"/>
+        <pc:sldMkLst>
+          <pc:docMk/>
+          <pc:sldMk cId="1390597733" sldId="393"/>
+        </pc:sldMkLst>
+        <pc:spChg chg="mod">
+          <ac:chgData name="Matthew Perks" userId="e7ba33f6-2c59-4a03-a42a-2f5a85dfb500" providerId="ADAL" clId="{10E3554F-5780-4E62-8A9A-A52237E4CB2A}" dt="2020-10-12T15:01:57.908" v="83" actId="404"/>
+          <ac:spMkLst>
+            <pc:docMk/>
+            <pc:sldMk cId="1390597733" sldId="393"/>
+            <ac:spMk id="4" creationId="{00000000-0000-0000-0000-000000000000}"/>
+          </ac:spMkLst>
+        </pc:spChg>
+        <pc:spChg chg="del">
+          <ac:chgData name="Matthew Perks" userId="e7ba33f6-2c59-4a03-a42a-2f5a85dfb500" providerId="ADAL" clId="{10E3554F-5780-4E62-8A9A-A52237E4CB2A}" dt="2020-10-12T15:00:06.026" v="49" actId="478"/>
+          <ac:spMkLst>
+            <pc:docMk/>
+            <pc:sldMk cId="1390597733" sldId="393"/>
+            <ac:spMk id="6" creationId="{00000000-0000-0000-0000-000000000000}"/>
+          </ac:spMkLst>
+        </pc:spChg>
+        <pc:spChg chg="add mod">
+          <ac:chgData name="Matthew Perks" userId="e7ba33f6-2c59-4a03-a42a-2f5a85dfb500" providerId="ADAL" clId="{10E3554F-5780-4E62-8A9A-A52237E4CB2A}" dt="2020-10-12T15:15:45.528" v="121" actId="1076"/>
+          <ac:spMkLst>
+            <pc:docMk/>
+            <pc:sldMk cId="1390597733" sldId="393"/>
+            <ac:spMk id="6" creationId="{EB153040-0D32-4EA8-85E3-CAA5D57403CB}"/>
+          </ac:spMkLst>
+        </pc:spChg>
+        <pc:spChg chg="del">
+          <ac:chgData name="Matthew Perks" userId="e7ba33f6-2c59-4a03-a42a-2f5a85dfb500" providerId="ADAL" clId="{10E3554F-5780-4E62-8A9A-A52237E4CB2A}" dt="2020-10-12T15:00:06.026" v="49" actId="478"/>
+          <ac:spMkLst>
+            <pc:docMk/>
+            <pc:sldMk cId="1390597733" sldId="393"/>
+            <ac:spMk id="7" creationId="{00000000-0000-0000-0000-000000000000}"/>
+          </ac:spMkLst>
+        </pc:spChg>
+        <pc:spChg chg="del">
+          <ac:chgData name="Matthew Perks" userId="e7ba33f6-2c59-4a03-a42a-2f5a85dfb500" providerId="ADAL" clId="{10E3554F-5780-4E62-8A9A-A52237E4CB2A}" dt="2020-10-12T15:00:06.026" v="49" actId="478"/>
+          <ac:spMkLst>
+            <pc:docMk/>
+            <pc:sldMk cId="1390597733" sldId="393"/>
+            <ac:spMk id="8" creationId="{2F15C8F8-BD03-4DD7-82E9-F1396181D686}"/>
+          </ac:spMkLst>
+        </pc:spChg>
+        <pc:spChg chg="del">
+          <ac:chgData name="Matthew Perks" userId="e7ba33f6-2c59-4a03-a42a-2f5a85dfb500" providerId="ADAL" clId="{10E3554F-5780-4E62-8A9A-A52237E4CB2A}" dt="2020-10-12T15:00:06.026" v="49" actId="478"/>
+          <ac:spMkLst>
+            <pc:docMk/>
+            <pc:sldMk cId="1390597733" sldId="393"/>
+            <ac:spMk id="10" creationId="{00000000-0000-0000-0000-000000000000}"/>
+          </ac:spMkLst>
+        </pc:spChg>
+        <pc:spChg chg="del">
+          <ac:chgData name="Matthew Perks" userId="e7ba33f6-2c59-4a03-a42a-2f5a85dfb500" providerId="ADAL" clId="{10E3554F-5780-4E62-8A9A-A52237E4CB2A}" dt="2020-10-12T15:00:06.026" v="49" actId="478"/>
+          <ac:spMkLst>
+            <pc:docMk/>
+            <pc:sldMk cId="1390597733" sldId="393"/>
+            <ac:spMk id="11" creationId="{00000000-0000-0000-0000-000000000000}"/>
+          </ac:spMkLst>
+        </pc:spChg>
+        <pc:spChg chg="add">
+          <ac:chgData name="Matthew Perks" userId="e7ba33f6-2c59-4a03-a42a-2f5a85dfb500" providerId="ADAL" clId="{10E3554F-5780-4E62-8A9A-A52237E4CB2A}" dt="2020-10-12T15:01:15.625" v="54" actId="26606"/>
+          <ac:spMkLst>
+            <pc:docMk/>
+            <pc:sldMk cId="1390597733" sldId="393"/>
+            <ac:spMk id="12" creationId="{1707FC24-6981-43D9-B525-C7832BA22463}"/>
+          </ac:spMkLst>
+        </pc:spChg>
+        <pc:picChg chg="add mod">
+          <ac:chgData name="Matthew Perks" userId="e7ba33f6-2c59-4a03-a42a-2f5a85dfb500" providerId="ADAL" clId="{10E3554F-5780-4E62-8A9A-A52237E4CB2A}" dt="2020-10-12T15:05:17.206" v="89" actId="962"/>
+          <ac:picMkLst>
+            <pc:docMk/>
+            <pc:sldMk cId="1390597733" sldId="393"/>
+            <ac:picMk id="2" creationId="{ED561AB7-8BB0-4E73-9072-3D1E9C5A0103}"/>
+          </ac:picMkLst>
+        </pc:picChg>
+        <pc:picChg chg="del">
+          <ac:chgData name="Matthew Perks" userId="e7ba33f6-2c59-4a03-a42a-2f5a85dfb500" providerId="ADAL" clId="{10E3554F-5780-4E62-8A9A-A52237E4CB2A}" dt="2020-10-12T15:00:06.026" v="49" actId="478"/>
+          <ac:picMkLst>
+            <pc:docMk/>
+            <pc:sldMk cId="1390597733" sldId="393"/>
+            <ac:picMk id="9" creationId="{00000000-0000-0000-0000-000000000000}"/>
+          </ac:picMkLst>
+        </pc:picChg>
+      </pc:sldChg>
+      <pc:sldChg chg="addSp delSp modSp add mod">
+        <pc:chgData name="Matthew Perks" userId="e7ba33f6-2c59-4a03-a42a-2f5a85dfb500" providerId="ADAL" clId="{10E3554F-5780-4E62-8A9A-A52237E4CB2A}" dt="2020-10-12T15:15:48.124" v="122" actId="22"/>
+        <pc:sldMkLst>
+          <pc:docMk/>
+          <pc:sldMk cId="3539481270" sldId="394"/>
+        </pc:sldMkLst>
+        <pc:spChg chg="add">
+          <ac:chgData name="Matthew Perks" userId="e7ba33f6-2c59-4a03-a42a-2f5a85dfb500" providerId="ADAL" clId="{10E3554F-5780-4E62-8A9A-A52237E4CB2A}" dt="2020-10-12T15:15:48.124" v="122" actId="22"/>
+          <ac:spMkLst>
+            <pc:docMk/>
+            <pc:sldMk cId="3539481270" sldId="394"/>
+            <ac:spMk id="2" creationId="{2469D69E-0B7E-43E3-B621-B49ED1898F57}"/>
+          </ac:spMkLst>
+        </pc:spChg>
+        <pc:picChg chg="del">
+          <ac:chgData name="Matthew Perks" userId="e7ba33f6-2c59-4a03-a42a-2f5a85dfb500" providerId="ADAL" clId="{10E3554F-5780-4E62-8A9A-A52237E4CB2A}" dt="2020-10-12T15:11:23.574" v="91" actId="478"/>
+          <ac:picMkLst>
+            <pc:docMk/>
+            <pc:sldMk cId="3539481270" sldId="394"/>
+            <ac:picMk id="2" creationId="{ED561AB7-8BB0-4E73-9072-3D1E9C5A0103}"/>
+          </ac:picMkLst>
+        </pc:picChg>
+        <pc:picChg chg="add mod">
+          <ac:chgData name="Matthew Perks" userId="e7ba33f6-2c59-4a03-a42a-2f5a85dfb500" providerId="ADAL" clId="{10E3554F-5780-4E62-8A9A-A52237E4CB2A}" dt="2020-10-12T15:11:37.842" v="95" actId="1076"/>
+          <ac:picMkLst>
+            <pc:docMk/>
+            <pc:sldMk cId="3539481270" sldId="394"/>
+            <ac:picMk id="3" creationId="{6C40C279-39EE-47C2-8732-69AD5825AC31}"/>
+          </ac:picMkLst>
+        </pc:picChg>
+      </pc:sldChg>
+    </pc:docChg>
+  </pc:docChgLst>
+  <pc:docChgLst>
     <pc:chgData name="Matthew Perks" userId="e7ba33f6-2c59-4a03-a42a-2f5a85dfb500" providerId="ADAL" clId="{5B89D6F2-9088-4D8D-B83E-736F73B2737D}"/>
     <pc:docChg chg="modSld">
       <pc:chgData name="Matthew Perks" userId="e7ba33f6-2c59-4a03-a42a-2f5a85dfb500" providerId="ADAL" clId="{5B89D6F2-9088-4D8D-B83E-736F73B2737D}" dt="2020-10-22T10:26:29.791" v="73" actId="20577"/>
@@ -2286,225 +2505,6 @@
             <ac:spMk id="2" creationId="{C9BA0237-EAF5-46D8-85D4-3D9BACC39664}"/>
           </ac:spMkLst>
         </pc:spChg>
-      </pc:sldChg>
-    </pc:docChg>
-  </pc:docChgLst>
-  <pc:docChgLst>
-    <pc:chgData name="Matthew Perks" userId="e7ba33f6-2c59-4a03-a42a-2f5a85dfb500" providerId="ADAL" clId="{10E3554F-5780-4E62-8A9A-A52237E4CB2A}"/>
-    <pc:docChg chg="undo custSel mod addSld delSld modSld">
-      <pc:chgData name="Matthew Perks" userId="e7ba33f6-2c59-4a03-a42a-2f5a85dfb500" providerId="ADAL" clId="{10E3554F-5780-4E62-8A9A-A52237E4CB2A}" dt="2020-10-12T15:15:48.124" v="122" actId="22"/>
-      <pc:docMkLst>
-        <pc:docMk/>
-      </pc:docMkLst>
-      <pc:sldChg chg="addSp modSp mod setBg">
-        <pc:chgData name="Matthew Perks" userId="e7ba33f6-2c59-4a03-a42a-2f5a85dfb500" providerId="ADAL" clId="{10E3554F-5780-4E62-8A9A-A52237E4CB2A}" dt="2020-10-12T15:03:46.924" v="87" actId="404"/>
-        <pc:sldMkLst>
-          <pc:docMk/>
-          <pc:sldMk cId="668973983" sldId="377"/>
-        </pc:sldMkLst>
-        <pc:spChg chg="mod">
-          <ac:chgData name="Matthew Perks" userId="e7ba33f6-2c59-4a03-a42a-2f5a85dfb500" providerId="ADAL" clId="{10E3554F-5780-4E62-8A9A-A52237E4CB2A}" dt="2020-10-12T15:03:28.900" v="84" actId="26606"/>
-          <ac:spMkLst>
-            <pc:docMk/>
-            <pc:sldMk cId="668973983" sldId="377"/>
-            <ac:spMk id="5" creationId="{00000000-0000-0000-0000-000000000000}"/>
-          </ac:spMkLst>
-        </pc:spChg>
-        <pc:spChg chg="mod">
-          <ac:chgData name="Matthew Perks" userId="e7ba33f6-2c59-4a03-a42a-2f5a85dfb500" providerId="ADAL" clId="{10E3554F-5780-4E62-8A9A-A52237E4CB2A}" dt="2020-10-12T15:03:46.924" v="87" actId="404"/>
-          <ac:spMkLst>
-            <pc:docMk/>
-            <pc:sldMk cId="668973983" sldId="377"/>
-            <ac:spMk id="6" creationId="{00000000-0000-0000-0000-000000000000}"/>
-          </ac:spMkLst>
-        </pc:spChg>
-        <pc:spChg chg="mod">
-          <ac:chgData name="Matthew Perks" userId="e7ba33f6-2c59-4a03-a42a-2f5a85dfb500" providerId="ADAL" clId="{10E3554F-5780-4E62-8A9A-A52237E4CB2A}" dt="2020-10-12T15:03:28.900" v="84" actId="26606"/>
-          <ac:spMkLst>
-            <pc:docMk/>
-            <pc:sldMk cId="668973983" sldId="377"/>
-            <ac:spMk id="9" creationId="{00000000-0000-0000-0000-000000000000}"/>
-          </ac:spMkLst>
-        </pc:spChg>
-        <pc:spChg chg="add">
-          <ac:chgData name="Matthew Perks" userId="e7ba33f6-2c59-4a03-a42a-2f5a85dfb500" providerId="ADAL" clId="{10E3554F-5780-4E62-8A9A-A52237E4CB2A}" dt="2020-10-12T15:03:28.900" v="84" actId="26606"/>
-          <ac:spMkLst>
-            <pc:docMk/>
-            <pc:sldMk cId="668973983" sldId="377"/>
-            <ac:spMk id="14" creationId="{02D44074-0B69-4F0C-A7B3-5645CE40D8E3}"/>
-          </ac:spMkLst>
-        </pc:spChg>
-      </pc:sldChg>
-      <pc:sldChg chg="addSp modSp mod modAnim">
-        <pc:chgData name="Matthew Perks" userId="e7ba33f6-2c59-4a03-a42a-2f5a85dfb500" providerId="ADAL" clId="{10E3554F-5780-4E62-8A9A-A52237E4CB2A}" dt="2020-10-12T15:00:27.428" v="53" actId="1076"/>
-        <pc:sldMkLst>
-          <pc:docMk/>
-          <pc:sldMk cId="3906442171" sldId="378"/>
-        </pc:sldMkLst>
-        <pc:spChg chg="mod">
-          <ac:chgData name="Matthew Perks" userId="e7ba33f6-2c59-4a03-a42a-2f5a85dfb500" providerId="ADAL" clId="{10E3554F-5780-4E62-8A9A-A52237E4CB2A}" dt="2020-10-12T15:00:27.428" v="53" actId="1076"/>
-          <ac:spMkLst>
-            <pc:docMk/>
-            <pc:sldMk cId="3906442171" sldId="378"/>
-            <ac:spMk id="7" creationId="{00000000-0000-0000-0000-000000000000}"/>
-          </ac:spMkLst>
-        </pc:spChg>
-        <pc:spChg chg="add mod">
-          <ac:chgData name="Matthew Perks" userId="e7ba33f6-2c59-4a03-a42a-2f5a85dfb500" providerId="ADAL" clId="{10E3554F-5780-4E62-8A9A-A52237E4CB2A}" dt="2020-10-12T14:59:40.956" v="46" actId="1076"/>
-          <ac:spMkLst>
-            <pc:docMk/>
-            <pc:sldMk cId="3906442171" sldId="378"/>
-            <ac:spMk id="8" creationId="{2F15C8F8-BD03-4DD7-82E9-F1396181D686}"/>
-          </ac:spMkLst>
-        </pc:spChg>
-        <pc:spChg chg="mod">
-          <ac:chgData name="Matthew Perks" userId="e7ba33f6-2c59-4a03-a42a-2f5a85dfb500" providerId="ADAL" clId="{10E3554F-5780-4E62-8A9A-A52237E4CB2A}" dt="2020-10-12T15:00:21.260" v="52" actId="1076"/>
-          <ac:spMkLst>
-            <pc:docMk/>
-            <pc:sldMk cId="3906442171" sldId="378"/>
-            <ac:spMk id="11" creationId="{00000000-0000-0000-0000-000000000000}"/>
-          </ac:spMkLst>
-        </pc:spChg>
-      </pc:sldChg>
-      <pc:sldChg chg="del">
-        <pc:chgData name="Matthew Perks" userId="e7ba33f6-2c59-4a03-a42a-2f5a85dfb500" providerId="ADAL" clId="{10E3554F-5780-4E62-8A9A-A52237E4CB2A}" dt="2020-10-12T15:13:40.402" v="96" actId="47"/>
-        <pc:sldMkLst>
-          <pc:docMk/>
-          <pc:sldMk cId="1505400970" sldId="379"/>
-        </pc:sldMkLst>
-      </pc:sldChg>
-      <pc:sldChg chg="modSp mod">
-        <pc:chgData name="Matthew Perks" userId="e7ba33f6-2c59-4a03-a42a-2f5a85dfb500" providerId="ADAL" clId="{10E3554F-5780-4E62-8A9A-A52237E4CB2A}" dt="2020-10-12T13:18:57.389" v="40" actId="20577"/>
-        <pc:sldMkLst>
-          <pc:docMk/>
-          <pc:sldMk cId="2749322127" sldId="386"/>
-        </pc:sldMkLst>
-        <pc:spChg chg="mod">
-          <ac:chgData name="Matthew Perks" userId="e7ba33f6-2c59-4a03-a42a-2f5a85dfb500" providerId="ADAL" clId="{10E3554F-5780-4E62-8A9A-A52237E4CB2A}" dt="2020-10-12T13:18:57.389" v="40" actId="20577"/>
-          <ac:spMkLst>
-            <pc:docMk/>
-            <pc:sldMk cId="2749322127" sldId="386"/>
-            <ac:spMk id="2" creationId="{00000000-0000-0000-0000-000000000000}"/>
-          </ac:spMkLst>
-        </pc:spChg>
-      </pc:sldChg>
-      <pc:sldChg chg="addSp delSp modSp add mod setBg delAnim">
-        <pc:chgData name="Matthew Perks" userId="e7ba33f6-2c59-4a03-a42a-2f5a85dfb500" providerId="ADAL" clId="{10E3554F-5780-4E62-8A9A-A52237E4CB2A}" dt="2020-10-12T15:15:45.528" v="121" actId="1076"/>
-        <pc:sldMkLst>
-          <pc:docMk/>
-          <pc:sldMk cId="1390597733" sldId="393"/>
-        </pc:sldMkLst>
-        <pc:spChg chg="mod">
-          <ac:chgData name="Matthew Perks" userId="e7ba33f6-2c59-4a03-a42a-2f5a85dfb500" providerId="ADAL" clId="{10E3554F-5780-4E62-8A9A-A52237E4CB2A}" dt="2020-10-12T15:01:57.908" v="83" actId="404"/>
-          <ac:spMkLst>
-            <pc:docMk/>
-            <pc:sldMk cId="1390597733" sldId="393"/>
-            <ac:spMk id="4" creationId="{00000000-0000-0000-0000-000000000000}"/>
-          </ac:spMkLst>
-        </pc:spChg>
-        <pc:spChg chg="del">
-          <ac:chgData name="Matthew Perks" userId="e7ba33f6-2c59-4a03-a42a-2f5a85dfb500" providerId="ADAL" clId="{10E3554F-5780-4E62-8A9A-A52237E4CB2A}" dt="2020-10-12T15:00:06.026" v="49" actId="478"/>
-          <ac:spMkLst>
-            <pc:docMk/>
-            <pc:sldMk cId="1390597733" sldId="393"/>
-            <ac:spMk id="6" creationId="{00000000-0000-0000-0000-000000000000}"/>
-          </ac:spMkLst>
-        </pc:spChg>
-        <pc:spChg chg="add mod">
-          <ac:chgData name="Matthew Perks" userId="e7ba33f6-2c59-4a03-a42a-2f5a85dfb500" providerId="ADAL" clId="{10E3554F-5780-4E62-8A9A-A52237E4CB2A}" dt="2020-10-12T15:15:45.528" v="121" actId="1076"/>
-          <ac:spMkLst>
-            <pc:docMk/>
-            <pc:sldMk cId="1390597733" sldId="393"/>
-            <ac:spMk id="6" creationId="{EB153040-0D32-4EA8-85E3-CAA5D57403CB}"/>
-          </ac:spMkLst>
-        </pc:spChg>
-        <pc:spChg chg="del">
-          <ac:chgData name="Matthew Perks" userId="e7ba33f6-2c59-4a03-a42a-2f5a85dfb500" providerId="ADAL" clId="{10E3554F-5780-4E62-8A9A-A52237E4CB2A}" dt="2020-10-12T15:00:06.026" v="49" actId="478"/>
-          <ac:spMkLst>
-            <pc:docMk/>
-            <pc:sldMk cId="1390597733" sldId="393"/>
-            <ac:spMk id="7" creationId="{00000000-0000-0000-0000-000000000000}"/>
-          </ac:spMkLst>
-        </pc:spChg>
-        <pc:spChg chg="del">
-          <ac:chgData name="Matthew Perks" userId="e7ba33f6-2c59-4a03-a42a-2f5a85dfb500" providerId="ADAL" clId="{10E3554F-5780-4E62-8A9A-A52237E4CB2A}" dt="2020-10-12T15:00:06.026" v="49" actId="478"/>
-          <ac:spMkLst>
-            <pc:docMk/>
-            <pc:sldMk cId="1390597733" sldId="393"/>
-            <ac:spMk id="8" creationId="{2F15C8F8-BD03-4DD7-82E9-F1396181D686}"/>
-          </ac:spMkLst>
-        </pc:spChg>
-        <pc:spChg chg="del">
-          <ac:chgData name="Matthew Perks" userId="e7ba33f6-2c59-4a03-a42a-2f5a85dfb500" providerId="ADAL" clId="{10E3554F-5780-4E62-8A9A-A52237E4CB2A}" dt="2020-10-12T15:00:06.026" v="49" actId="478"/>
-          <ac:spMkLst>
-            <pc:docMk/>
-            <pc:sldMk cId="1390597733" sldId="393"/>
-            <ac:spMk id="10" creationId="{00000000-0000-0000-0000-000000000000}"/>
-          </ac:spMkLst>
-        </pc:spChg>
-        <pc:spChg chg="del">
-          <ac:chgData name="Matthew Perks" userId="e7ba33f6-2c59-4a03-a42a-2f5a85dfb500" providerId="ADAL" clId="{10E3554F-5780-4E62-8A9A-A52237E4CB2A}" dt="2020-10-12T15:00:06.026" v="49" actId="478"/>
-          <ac:spMkLst>
-            <pc:docMk/>
-            <pc:sldMk cId="1390597733" sldId="393"/>
-            <ac:spMk id="11" creationId="{00000000-0000-0000-0000-000000000000}"/>
-          </ac:spMkLst>
-        </pc:spChg>
-        <pc:spChg chg="add">
-          <ac:chgData name="Matthew Perks" userId="e7ba33f6-2c59-4a03-a42a-2f5a85dfb500" providerId="ADAL" clId="{10E3554F-5780-4E62-8A9A-A52237E4CB2A}" dt="2020-10-12T15:01:15.625" v="54" actId="26606"/>
-          <ac:spMkLst>
-            <pc:docMk/>
-            <pc:sldMk cId="1390597733" sldId="393"/>
-            <ac:spMk id="12" creationId="{1707FC24-6981-43D9-B525-C7832BA22463}"/>
-          </ac:spMkLst>
-        </pc:spChg>
-        <pc:picChg chg="add mod">
-          <ac:chgData name="Matthew Perks" userId="e7ba33f6-2c59-4a03-a42a-2f5a85dfb500" providerId="ADAL" clId="{10E3554F-5780-4E62-8A9A-A52237E4CB2A}" dt="2020-10-12T15:05:17.206" v="89" actId="962"/>
-          <ac:picMkLst>
-            <pc:docMk/>
-            <pc:sldMk cId="1390597733" sldId="393"/>
-            <ac:picMk id="2" creationId="{ED561AB7-8BB0-4E73-9072-3D1E9C5A0103}"/>
-          </ac:picMkLst>
-        </pc:picChg>
-        <pc:picChg chg="del">
-          <ac:chgData name="Matthew Perks" userId="e7ba33f6-2c59-4a03-a42a-2f5a85dfb500" providerId="ADAL" clId="{10E3554F-5780-4E62-8A9A-A52237E4CB2A}" dt="2020-10-12T15:00:06.026" v="49" actId="478"/>
-          <ac:picMkLst>
-            <pc:docMk/>
-            <pc:sldMk cId="1390597733" sldId="393"/>
-            <ac:picMk id="9" creationId="{00000000-0000-0000-0000-000000000000}"/>
-          </ac:picMkLst>
-        </pc:picChg>
-      </pc:sldChg>
-      <pc:sldChg chg="addSp delSp modSp add mod">
-        <pc:chgData name="Matthew Perks" userId="e7ba33f6-2c59-4a03-a42a-2f5a85dfb500" providerId="ADAL" clId="{10E3554F-5780-4E62-8A9A-A52237E4CB2A}" dt="2020-10-12T15:15:48.124" v="122" actId="22"/>
-        <pc:sldMkLst>
-          <pc:docMk/>
-          <pc:sldMk cId="3539481270" sldId="394"/>
-        </pc:sldMkLst>
-        <pc:spChg chg="add">
-          <ac:chgData name="Matthew Perks" userId="e7ba33f6-2c59-4a03-a42a-2f5a85dfb500" providerId="ADAL" clId="{10E3554F-5780-4E62-8A9A-A52237E4CB2A}" dt="2020-10-12T15:15:48.124" v="122" actId="22"/>
-          <ac:spMkLst>
-            <pc:docMk/>
-            <pc:sldMk cId="3539481270" sldId="394"/>
-            <ac:spMk id="2" creationId="{2469D69E-0B7E-43E3-B621-B49ED1898F57}"/>
-          </ac:spMkLst>
-        </pc:spChg>
-        <pc:picChg chg="del">
-          <ac:chgData name="Matthew Perks" userId="e7ba33f6-2c59-4a03-a42a-2f5a85dfb500" providerId="ADAL" clId="{10E3554F-5780-4E62-8A9A-A52237E4CB2A}" dt="2020-10-12T15:11:23.574" v="91" actId="478"/>
-          <ac:picMkLst>
-            <pc:docMk/>
-            <pc:sldMk cId="3539481270" sldId="394"/>
-            <ac:picMk id="2" creationId="{ED561AB7-8BB0-4E73-9072-3D1E9C5A0103}"/>
-          </ac:picMkLst>
-        </pc:picChg>
-        <pc:picChg chg="add mod">
-          <ac:chgData name="Matthew Perks" userId="e7ba33f6-2c59-4a03-a42a-2f5a85dfb500" providerId="ADAL" clId="{10E3554F-5780-4E62-8A9A-A52237E4CB2A}" dt="2020-10-12T15:11:37.842" v="95" actId="1076"/>
-          <ac:picMkLst>
-            <pc:docMk/>
-            <pc:sldMk cId="3539481270" sldId="394"/>
-            <ac:picMk id="3" creationId="{6C40C279-39EE-47C2-8732-69AD5825AC31}"/>
-          </ac:picMkLst>
-        </pc:picChg>
       </pc:sldChg>
     </pc:docChg>
   </pc:docChgLst>
@@ -2865,7 +2865,7 @@
           <a:p>
             <a:fld id="{CF2E614A-C12C-4D0E-85E3-B4445628C5AD}" type="datetimeFigureOut">
               <a:rPr lang="en-GB" smtClean="0"/>
-              <a:t>25/09/2021</a:t>
+              <a:t>26/09/2021</a:t>
             </a:fld>
             <a:endParaRPr lang="en-GB"/>
           </a:p>
@@ -3042,7 +3042,7 @@
           <a:p>
             <a:fld id="{63878252-83FE-4122-A0A9-331DC7AAA878}" type="datetimeFigureOut">
               <a:rPr lang="en-GB" smtClean="0"/>
-              <a:t>25/09/2021</a:t>
+              <a:t>26/09/2021</a:t>
             </a:fld>
             <a:endParaRPr lang="en-GB" dirty="0"/>
           </a:p>
@@ -3743,7 +3743,7 @@
           <a:p>
             <a:fld id="{812A8EEB-1D5A-604D-AF27-A96E06878FEE}" type="datetimeFigureOut">
               <a:rPr lang="en-US" smtClean="0"/>
-              <a:t>9/25/2021</a:t>
+              <a:t>9/26/2021</a:t>
             </a:fld>
             <a:endParaRPr lang="en-US" dirty="0"/>
           </a:p>
@@ -3913,7 +3913,7 @@
           <a:p>
             <a:fld id="{812A8EEB-1D5A-604D-AF27-A96E06878FEE}" type="datetimeFigureOut">
               <a:rPr lang="en-US" smtClean="0"/>
-              <a:t>9/25/2021</a:t>
+              <a:t>9/26/2021</a:t>
             </a:fld>
             <a:endParaRPr lang="en-US" dirty="0"/>
           </a:p>
@@ -4093,7 +4093,7 @@
           <a:p>
             <a:fld id="{812A8EEB-1D5A-604D-AF27-A96E06878FEE}" type="datetimeFigureOut">
               <a:rPr lang="en-US" smtClean="0"/>
-              <a:t>9/25/2021</a:t>
+              <a:t>9/26/2021</a:t>
             </a:fld>
             <a:endParaRPr lang="en-US" dirty="0"/>
           </a:p>
@@ -4263,7 +4263,7 @@
           <a:p>
             <a:fld id="{812A8EEB-1D5A-604D-AF27-A96E06878FEE}" type="datetimeFigureOut">
               <a:rPr lang="en-US" smtClean="0"/>
-              <a:t>9/25/2021</a:t>
+              <a:t>9/26/2021</a:t>
             </a:fld>
             <a:endParaRPr lang="en-US" dirty="0"/>
           </a:p>
@@ -4509,7 +4509,7 @@
           <a:p>
             <a:fld id="{812A8EEB-1D5A-604D-AF27-A96E06878FEE}" type="datetimeFigureOut">
               <a:rPr lang="en-US" smtClean="0"/>
-              <a:t>9/25/2021</a:t>
+              <a:t>9/26/2021</a:t>
             </a:fld>
             <a:endParaRPr lang="en-US" dirty="0"/>
           </a:p>
@@ -4797,7 +4797,7 @@
           <a:p>
             <a:fld id="{812A8EEB-1D5A-604D-AF27-A96E06878FEE}" type="datetimeFigureOut">
               <a:rPr lang="en-US" smtClean="0"/>
-              <a:t>9/25/2021</a:t>
+              <a:t>9/26/2021</a:t>
             </a:fld>
             <a:endParaRPr lang="en-US" dirty="0"/>
           </a:p>
@@ -5219,7 +5219,7 @@
           <a:p>
             <a:fld id="{812A8EEB-1D5A-604D-AF27-A96E06878FEE}" type="datetimeFigureOut">
               <a:rPr lang="en-US" smtClean="0"/>
-              <a:t>9/25/2021</a:t>
+              <a:t>9/26/2021</a:t>
             </a:fld>
             <a:endParaRPr lang="en-US" dirty="0"/>
           </a:p>
@@ -5337,7 +5337,7 @@
           <a:p>
             <a:fld id="{812A8EEB-1D5A-604D-AF27-A96E06878FEE}" type="datetimeFigureOut">
               <a:rPr lang="en-US" smtClean="0"/>
-              <a:t>9/25/2021</a:t>
+              <a:t>9/26/2021</a:t>
             </a:fld>
             <a:endParaRPr lang="en-US" dirty="0"/>
           </a:p>
@@ -5432,7 +5432,7 @@
           <a:p>
             <a:fld id="{812A8EEB-1D5A-604D-AF27-A96E06878FEE}" type="datetimeFigureOut">
               <a:rPr lang="en-US" smtClean="0"/>
-              <a:t>9/25/2021</a:t>
+              <a:t>9/26/2021</a:t>
             </a:fld>
             <a:endParaRPr lang="en-US" dirty="0"/>
           </a:p>
@@ -5709,7 +5709,7 @@
           <a:p>
             <a:fld id="{812A8EEB-1D5A-604D-AF27-A96E06878FEE}" type="datetimeFigureOut">
               <a:rPr lang="en-US" smtClean="0"/>
-              <a:t>9/25/2021</a:t>
+              <a:t>9/26/2021</a:t>
             </a:fld>
             <a:endParaRPr lang="en-US" dirty="0"/>
           </a:p>
@@ -5962,7 +5962,7 @@
           <a:p>
             <a:fld id="{812A8EEB-1D5A-604D-AF27-A96E06878FEE}" type="datetimeFigureOut">
               <a:rPr lang="en-US" smtClean="0"/>
-              <a:t>9/25/2021</a:t>
+              <a:t>9/26/2021</a:t>
             </a:fld>
             <a:endParaRPr lang="en-US" dirty="0"/>
           </a:p>
@@ -6175,7 +6175,7 @@
           <a:p>
             <a:fld id="{812A8EEB-1D5A-604D-AF27-A96E06878FEE}" type="datetimeFigureOut">
               <a:rPr lang="en-US" smtClean="0"/>
-              <a:t>9/25/2021</a:t>
+              <a:t>9/26/2021</a:t>
             </a:fld>
             <a:endParaRPr lang="en-US" dirty="0"/>
           </a:p>
@@ -9721,7 +9721,29 @@
                 </a:uFill>
                 <a:latin typeface="Arial Rounded MT Bold" panose="020F0704030504030204" pitchFamily="34" charset="0"/>
               </a:rPr>
-              <a:t>Where approaches differ, discuss the though process and critically evaluate each method</a:t>
+              <a:t>Where approaches differ, discuss </a:t>
+            </a:r>
+            <a:r>
+              <a:rPr lang="en-US" spc="-1">
+                <a:uFill>
+                  <a:solidFill>
+                    <a:srgbClr val="FFFFFF"/>
+                  </a:solidFill>
+                </a:uFill>
+                <a:latin typeface="Arial Rounded MT Bold" panose="020F0704030504030204" pitchFamily="34" charset="0"/>
+              </a:rPr>
+              <a:t>the thought </a:t>
+            </a:r>
+            <a:r>
+              <a:rPr lang="en-US" spc="-1" dirty="0">
+                <a:uFill>
+                  <a:solidFill>
+                    <a:srgbClr val="FFFFFF"/>
+                  </a:solidFill>
+                </a:uFill>
+                <a:latin typeface="Arial Rounded MT Bold" panose="020F0704030504030204" pitchFamily="34" charset="0"/>
+              </a:rPr>
+              <a:t>process and critically evaluate each method</a:t>
             </a:r>
           </a:p>
           <a:p>
